--- a/self-driving-nano/projects/3-behavioral-cloning/results/model-architecture-diagram.pptx
+++ b/self-driving-nano/projects/3-behavioral-cloning/results/model-architecture-diagram.pptx
@@ -243,7 +243,7 @@
           <a:p>
             <a:fld id="{F42AE571-ABCD-354F-9ABE-D4C6B9E681ED}" type="datetimeFigureOut">
               <a:rPr lang="en-US" smtClean="0"/>
-              <a:t>7/19/17</a:t>
+              <a:t>9/11/17</a:t>
             </a:fld>
             <a:endParaRPr lang="en-US"/>
           </a:p>
@@ -408,7 +408,7 @@
           <a:p>
             <a:fld id="{320CB12A-17DA-0E49-81DA-219EAE66C640}" type="datetimeFigureOut">
               <a:rPr lang="en-US" smtClean="0"/>
-              <a:t>7/19/17</a:t>
+              <a:t>9/11/17</a:t>
             </a:fld>
             <a:endParaRPr lang="en-US"/>
           </a:p>
@@ -812,7 +812,7 @@
             <a:fld id="{FDE934FF-F4E1-47C5-9CA5-30A81DDE2BE4}" type="datetimeFigureOut">
               <a:rPr lang="en-US" altLang="en-US"/>
               <a:pPr/>
-              <a:t>7/19/17</a:t>
+              <a:t>9/11/17</a:t>
             </a:fld>
             <a:endParaRPr lang="en-US"/>
           </a:p>
@@ -996,7 +996,7 @@
             <a:fld id="{FDE934FF-F4E1-47C5-9CA5-30A81DDE2BE4}" type="datetimeFigureOut">
               <a:rPr lang="en-US" altLang="en-US"/>
               <a:pPr/>
-              <a:t>7/19/17</a:t>
+              <a:t>9/11/17</a:t>
             </a:fld>
             <a:endParaRPr lang="en-US"/>
           </a:p>
@@ -1190,7 +1190,7 @@
             <a:fld id="{FDE934FF-F4E1-47C5-9CA5-30A81DDE2BE4}" type="datetimeFigureOut">
               <a:rPr lang="en-US" altLang="en-US"/>
               <a:pPr/>
-              <a:t>7/19/17</a:t>
+              <a:t>9/11/17</a:t>
             </a:fld>
             <a:endParaRPr lang="en-US"/>
           </a:p>
@@ -1374,7 +1374,7 @@
             <a:fld id="{FDE934FF-F4E1-47C5-9CA5-30A81DDE2BE4}" type="datetimeFigureOut">
               <a:rPr lang="en-US" altLang="en-US"/>
               <a:pPr/>
-              <a:t>7/19/17</a:t>
+              <a:t>9/11/17</a:t>
             </a:fld>
             <a:endParaRPr lang="en-US"/>
           </a:p>
@@ -1634,7 +1634,7 @@
             <a:fld id="{FDE934FF-F4E1-47C5-9CA5-30A81DDE2BE4}" type="datetimeFigureOut">
               <a:rPr lang="en-US" altLang="en-US"/>
               <a:pPr/>
-              <a:t>7/19/17</a:t>
+              <a:t>9/11/17</a:t>
             </a:fld>
             <a:endParaRPr lang="en-US"/>
           </a:p>
@@ -1880,7 +1880,7 @@
             <a:fld id="{FDE934FF-F4E1-47C5-9CA5-30A81DDE2BE4}" type="datetimeFigureOut">
               <a:rPr lang="en-US" altLang="en-US"/>
               <a:pPr/>
-              <a:t>7/19/17</a:t>
+              <a:t>9/11/17</a:t>
             </a:fld>
             <a:endParaRPr lang="en-US"/>
           </a:p>
@@ -2261,7 +2261,7 @@
             <a:fld id="{FDE934FF-F4E1-47C5-9CA5-30A81DDE2BE4}" type="datetimeFigureOut">
               <a:rPr lang="en-US" altLang="en-US"/>
               <a:pPr/>
-              <a:t>7/19/17</a:t>
+              <a:t>9/11/17</a:t>
             </a:fld>
             <a:endParaRPr lang="en-US"/>
           </a:p>
@@ -2393,7 +2393,7 @@
             <a:fld id="{FDE934FF-F4E1-47C5-9CA5-30A81DDE2BE4}" type="datetimeFigureOut">
               <a:rPr lang="en-US" altLang="en-US"/>
               <a:pPr/>
-              <a:t>7/19/17</a:t>
+              <a:t>9/11/17</a:t>
             </a:fld>
             <a:endParaRPr lang="en-US"/>
           </a:p>
@@ -2502,7 +2502,7 @@
             <a:fld id="{FDE934FF-F4E1-47C5-9CA5-30A81DDE2BE4}" type="datetimeFigureOut">
               <a:rPr lang="en-US" altLang="en-US"/>
               <a:pPr/>
-              <a:t>7/19/17</a:t>
+              <a:t>9/11/17</a:t>
             </a:fld>
             <a:endParaRPr lang="en-US"/>
           </a:p>
@@ -2793,7 +2793,7 @@
             <a:fld id="{FDE934FF-F4E1-47C5-9CA5-30A81DDE2BE4}" type="datetimeFigureOut">
               <a:rPr lang="en-US" altLang="en-US"/>
               <a:pPr/>
-              <a:t>7/19/17</a:t>
+              <a:t>9/11/17</a:t>
             </a:fld>
             <a:endParaRPr lang="en-US"/>
           </a:p>
@@ -3060,7 +3060,7 @@
             <a:fld id="{FDE934FF-F4E1-47C5-9CA5-30A81DDE2BE4}" type="datetimeFigureOut">
               <a:rPr lang="en-US" altLang="en-US"/>
               <a:pPr/>
-              <a:t>7/19/17</a:t>
+              <a:t>9/11/17</a:t>
             </a:fld>
             <a:endParaRPr lang="en-US"/>
           </a:p>
@@ -3343,7 +3343,7 @@
             <a:fld id="{FDE934FF-F4E1-47C5-9CA5-30A81DDE2BE4}" type="datetimeFigureOut">
               <a:rPr lang="en-US" altLang="en-US"/>
               <a:pPr/>
-              <a:t>7/19/17</a:t>
+              <a:t>9/11/17</a:t>
             </a:fld>
             <a:endParaRPr lang="en-US">
               <a:ea typeface="SimSun" charset="-122"/>
@@ -3919,8 +3919,8 @@
         </p:nvSpPr>
         <p:spPr>
           <a:xfrm>
-            <a:off x="2898893" y="475012"/>
-            <a:ext cx="1686299" cy="5899056"/>
+            <a:off x="2898893" y="1159099"/>
+            <a:ext cx="1686299" cy="3636588"/>
           </a:xfrm>
           <a:prstGeom prst="cube">
             <a:avLst>
@@ -3973,7 +3973,7 @@
         </p:nvSpPr>
         <p:spPr>
           <a:xfrm>
-            <a:off x="2902114" y="662046"/>
+            <a:off x="2902114" y="1349253"/>
             <a:ext cx="1496291" cy="391886"/>
           </a:xfrm>
           <a:prstGeom prst="rect">
@@ -4023,7 +4023,23 @@
                   <a:schemeClr val="tx1"/>
                 </a:solidFill>
               </a:rPr>
-              <a:t>1x1 conv </a:t>
+              <a:t>5</a:t>
+            </a:r>
+            <a:r>
+              <a:rPr lang="en-US" sz="1500" dirty="0" smtClean="0">
+                <a:solidFill>
+                  <a:schemeClr val="tx1"/>
+                </a:solidFill>
+              </a:rPr>
+              <a:t>x5 </a:t>
+            </a:r>
+            <a:r>
+              <a:rPr lang="en-US" sz="1500" dirty="0" smtClean="0">
+                <a:solidFill>
+                  <a:schemeClr val="tx1"/>
+                </a:solidFill>
+              </a:rPr>
+              <a:t>conv </a:t>
             </a:r>
             <a:endParaRPr lang="en-US" sz="1500" dirty="0">
               <a:solidFill>
@@ -4041,7 +4057,7 @@
         </p:nvSpPr>
         <p:spPr>
           <a:xfrm>
-            <a:off x="2898894" y="1053931"/>
+            <a:off x="2898894" y="1741138"/>
             <a:ext cx="1496291" cy="296883"/>
           </a:xfrm>
           <a:prstGeom prst="rect">
@@ -4080,12 +4096,12 @@
           <a:p>
             <a:pPr algn="ctr"/>
             <a:r>
-              <a:rPr lang="en-US" sz="1500" dirty="0" smtClean="0">
+              <a:rPr lang="en-US" sz="1500" dirty="0" err="1" smtClean="0">
                 <a:solidFill>
                   <a:schemeClr val="tx1"/>
                 </a:solidFill>
               </a:rPr>
-              <a:t>relu</a:t>
+              <a:t>elu</a:t>
             </a:r>
             <a:endParaRPr lang="en-US" sz="1500" dirty="0">
               <a:solidFill>
@@ -4103,7 +4119,7 @@
         </p:nvSpPr>
         <p:spPr>
           <a:xfrm>
-            <a:off x="2898894" y="1350814"/>
+            <a:off x="2898894" y="2038021"/>
             <a:ext cx="1496291" cy="391886"/>
           </a:xfrm>
           <a:prstGeom prst="rect">
@@ -4166,7 +4182,7 @@
         </p:nvSpPr>
         <p:spPr>
           <a:xfrm>
-            <a:off x="2898894" y="1742699"/>
+            <a:off x="2898894" y="2429906"/>
             <a:ext cx="1496291" cy="296883"/>
           </a:xfrm>
           <a:prstGeom prst="rect">
@@ -4205,12 +4221,12 @@
           <a:p>
             <a:pPr algn="ctr"/>
             <a:r>
-              <a:rPr lang="en-US" sz="1500" dirty="0" smtClean="0">
+              <a:rPr lang="en-US" sz="1500" dirty="0" err="1" smtClean="0">
                 <a:solidFill>
                   <a:schemeClr val="tx1"/>
                 </a:solidFill>
               </a:rPr>
-              <a:t>relu</a:t>
+              <a:t>elu</a:t>
             </a:r>
             <a:endParaRPr lang="en-US" sz="1500" dirty="0">
               <a:solidFill>
@@ -4228,7 +4244,7 @@
         </p:nvSpPr>
         <p:spPr>
           <a:xfrm>
-            <a:off x="2898894" y="2039582"/>
+            <a:off x="2898894" y="2726789"/>
             <a:ext cx="1496291" cy="391886"/>
           </a:xfrm>
           <a:prstGeom prst="rect">
@@ -4273,7 +4289,23 @@
                   <a:schemeClr val="tx1"/>
                 </a:solidFill>
               </a:rPr>
-              <a:t>5x5 conv </a:t>
+              <a:t>3</a:t>
+            </a:r>
+            <a:r>
+              <a:rPr lang="en-US" sz="1500" dirty="0" smtClean="0">
+                <a:solidFill>
+                  <a:schemeClr val="tx1"/>
+                </a:solidFill>
+              </a:rPr>
+              <a:t>x3 </a:t>
+            </a:r>
+            <a:r>
+              <a:rPr lang="en-US" sz="1500" dirty="0" smtClean="0">
+                <a:solidFill>
+                  <a:schemeClr val="tx1"/>
+                </a:solidFill>
+              </a:rPr>
+              <a:t>conv </a:t>
             </a:r>
             <a:endParaRPr lang="en-US" sz="1500" dirty="0">
               <a:solidFill>
@@ -4291,7 +4323,7 @@
         </p:nvSpPr>
         <p:spPr>
           <a:xfrm>
-            <a:off x="2898894" y="2431467"/>
+            <a:off x="2898894" y="3118674"/>
             <a:ext cx="1496291" cy="296883"/>
           </a:xfrm>
           <a:prstGeom prst="rect">
@@ -4330,12 +4362,12 @@
           <a:p>
             <a:pPr algn="ctr"/>
             <a:r>
-              <a:rPr lang="en-US" sz="1500" dirty="0" smtClean="0">
+              <a:rPr lang="en-US" sz="1500" dirty="0" err="1" smtClean="0">
                 <a:solidFill>
                   <a:schemeClr val="tx1"/>
                 </a:solidFill>
               </a:rPr>
-              <a:t>relu</a:t>
+              <a:t>elu</a:t>
             </a:r>
             <a:endParaRPr lang="en-US" sz="1500" dirty="0">
               <a:solidFill>
@@ -4347,75 +4379,13 @@
       </p:sp>
       <p:sp>
         <p:nvSpPr>
-          <p:cNvPr id="16" name="Rectangle 15"/>
-          <p:cNvSpPr/>
-          <p:nvPr/>
-        </p:nvSpPr>
-        <p:spPr>
-          <a:xfrm>
-            <a:off x="2898893" y="2728350"/>
-            <a:ext cx="1496291" cy="296883"/>
-          </a:xfrm>
-          <a:prstGeom prst="rect">
-            <a:avLst/>
-          </a:prstGeom>
-          <a:solidFill>
-            <a:schemeClr val="bg1">
-              <a:lumMod val="95000"/>
-            </a:schemeClr>
-          </a:solidFill>
-          <a:ln>
-            <a:solidFill>
-              <a:schemeClr val="accent1"/>
-            </a:solidFill>
-          </a:ln>
-        </p:spPr>
-        <p:style>
-          <a:lnRef idx="2">
-            <a:schemeClr val="accent1">
-              <a:shade val="50000"/>
-            </a:schemeClr>
-          </a:lnRef>
-          <a:fillRef idx="1">
-            <a:schemeClr val="accent1"/>
-          </a:fillRef>
-          <a:effectRef idx="0">
-            <a:schemeClr val="accent1"/>
-          </a:effectRef>
-          <a:fontRef idx="minor">
-            <a:schemeClr val="lt1"/>
-          </a:fontRef>
-        </p:style>
-        <p:txBody>
-          <a:bodyPr rtlCol="0" anchor="ctr"/>
-          <a:lstStyle/>
-          <a:p>
-            <a:pPr algn="ctr"/>
-            <a:r>
-              <a:rPr lang="en-US" sz="1500" smtClean="0">
-                <a:solidFill>
-                  <a:schemeClr val="tx1"/>
-                </a:solidFill>
-              </a:rPr>
-              <a:t>maxpool</a:t>
-            </a:r>
-            <a:endParaRPr lang="en-US" sz="1500" dirty="0">
-              <a:solidFill>
-                <a:schemeClr val="tx1"/>
-              </a:solidFill>
-            </a:endParaRPr>
-          </a:p>
-        </p:txBody>
-      </p:sp>
-      <p:sp>
-        <p:nvSpPr>
           <p:cNvPr id="17" name="Rectangle 16"/>
           <p:cNvSpPr/>
           <p:nvPr/>
         </p:nvSpPr>
         <p:spPr>
           <a:xfrm>
-            <a:off x="2898895" y="3025232"/>
+            <a:off x="2898895" y="3418151"/>
             <a:ext cx="1496291" cy="391886"/>
           </a:xfrm>
           <a:prstGeom prst="rect">
@@ -4460,7 +4430,23 @@
                   <a:schemeClr val="tx1"/>
                 </a:solidFill>
               </a:rPr>
-              <a:t>5x5 conv </a:t>
+              <a:t>3</a:t>
+            </a:r>
+            <a:r>
+              <a:rPr lang="en-US" sz="1500" dirty="0" smtClean="0">
+                <a:solidFill>
+                  <a:schemeClr val="tx1"/>
+                </a:solidFill>
+              </a:rPr>
+              <a:t>x3 </a:t>
+            </a:r>
+            <a:r>
+              <a:rPr lang="en-US" sz="1500" dirty="0" smtClean="0">
+                <a:solidFill>
+                  <a:schemeClr val="tx1"/>
+                </a:solidFill>
+              </a:rPr>
+              <a:t>conv </a:t>
             </a:r>
             <a:endParaRPr lang="en-US" sz="1500" dirty="0">
               <a:solidFill>
@@ -4478,7 +4464,7 @@
         </p:nvSpPr>
         <p:spPr>
           <a:xfrm>
-            <a:off x="2898895" y="3417117"/>
+            <a:off x="2898895" y="3810036"/>
             <a:ext cx="1496291" cy="296883"/>
           </a:xfrm>
           <a:prstGeom prst="rect">
@@ -4517,12 +4503,12 @@
           <a:p>
             <a:pPr algn="ctr"/>
             <a:r>
-              <a:rPr lang="en-US" sz="1500" dirty="0" smtClean="0">
+              <a:rPr lang="en-US" sz="1500" dirty="0" err="1" smtClean="0">
                 <a:solidFill>
                   <a:schemeClr val="tx1"/>
                 </a:solidFill>
               </a:rPr>
-              <a:t>relu</a:t>
+              <a:t>elu</a:t>
             </a:r>
             <a:endParaRPr lang="en-US" sz="1500" dirty="0">
               <a:solidFill>
@@ -4540,7 +4526,7 @@
         </p:nvSpPr>
         <p:spPr>
           <a:xfrm>
-            <a:off x="2898895" y="3714000"/>
+            <a:off x="2898895" y="4106919"/>
             <a:ext cx="1496291" cy="391886"/>
           </a:xfrm>
           <a:prstGeom prst="rect">
@@ -4585,7 +4571,23 @@
                   <a:schemeClr val="tx1"/>
                 </a:solidFill>
               </a:rPr>
-              <a:t>5x5 conv </a:t>
+              <a:t>3</a:t>
+            </a:r>
+            <a:r>
+              <a:rPr lang="en-US" sz="1500" dirty="0" smtClean="0">
+                <a:solidFill>
+                  <a:schemeClr val="tx1"/>
+                </a:solidFill>
+              </a:rPr>
+              <a:t>x3 </a:t>
+            </a:r>
+            <a:r>
+              <a:rPr lang="en-US" sz="1500" dirty="0" smtClean="0">
+                <a:solidFill>
+                  <a:schemeClr val="tx1"/>
+                </a:solidFill>
+              </a:rPr>
+              <a:t>conv </a:t>
             </a:r>
             <a:endParaRPr lang="en-US" sz="1500" dirty="0">
               <a:solidFill>
@@ -4603,7 +4605,7 @@
         </p:nvSpPr>
         <p:spPr>
           <a:xfrm>
-            <a:off x="2898895" y="4105885"/>
+            <a:off x="2898895" y="4498804"/>
             <a:ext cx="1496291" cy="296883"/>
           </a:xfrm>
           <a:prstGeom prst="rect">
@@ -4642,12 +4644,12 @@
           <a:p>
             <a:pPr algn="ctr"/>
             <a:r>
-              <a:rPr lang="en-US" sz="1500" dirty="0" smtClean="0">
+              <a:rPr lang="en-US" sz="1500" dirty="0" err="1" smtClean="0">
                 <a:solidFill>
                   <a:schemeClr val="tx1"/>
                 </a:solidFill>
               </a:rPr>
-              <a:t>relu</a:t>
+              <a:t>elu</a:t>
             </a:r>
             <a:endParaRPr lang="en-US" sz="1500" dirty="0">
               <a:solidFill>
@@ -4657,16 +4659,421 @@
           </a:p>
         </p:txBody>
       </p:sp>
-      <p:sp>
-        <p:nvSpPr>
-          <p:cNvPr id="21" name="Rectangle 20"/>
+      <p:cxnSp>
+        <p:nvCxnSpPr>
+          <p:cNvPr id="29" name="Elbow Connector 28"/>
+          <p:cNvCxnSpPr>
+            <a:stCxn id="76" idx="0"/>
+            <a:endCxn id="27" idx="1"/>
+          </p:cNvCxnSpPr>
+          <p:nvPr/>
+        </p:nvCxnSpPr>
+        <p:spPr>
+          <a:xfrm rot="5400000" flipH="1" flipV="1">
+            <a:off x="2388963" y="105486"/>
+            <a:ext cx="21430" cy="2499372"/>
+          </a:xfrm>
+          <a:prstGeom prst="bentConnector3">
+            <a:avLst>
+              <a:gd name="adj1" fmla="val 2031675"/>
+            </a:avLst>
+          </a:prstGeom>
+          <a:ln w="38100">
+            <a:solidFill>
+              <a:schemeClr val="accent1">
+                <a:lumMod val="75000"/>
+              </a:schemeClr>
+            </a:solidFill>
+            <a:tailEnd type="triangle"/>
+          </a:ln>
+        </p:spPr>
+        <p:style>
+          <a:lnRef idx="1">
+            <a:schemeClr val="accent1"/>
+          </a:lnRef>
+          <a:fillRef idx="0">
+            <a:schemeClr val="accent1"/>
+          </a:fillRef>
+          <a:effectRef idx="0">
+            <a:schemeClr val="accent1"/>
+          </a:effectRef>
+          <a:fontRef idx="minor">
+            <a:schemeClr val="tx1"/>
+          </a:fontRef>
+        </p:style>
+      </p:cxnSp>
+      <p:sp>
+        <p:nvSpPr>
+          <p:cNvPr id="31" name="Rectangle 30"/>
           <p:cNvSpPr/>
           <p:nvPr/>
         </p:nvSpPr>
         <p:spPr>
           <a:xfrm>
-            <a:off x="2898894" y="4402768"/>
-            <a:ext cx="1496291" cy="296883"/>
+            <a:off x="2057690" y="938929"/>
+            <a:ext cx="838692" cy="292388"/>
+          </a:xfrm>
+          <a:prstGeom prst="rect">
+            <a:avLst/>
+          </a:prstGeom>
+        </p:spPr>
+        <p:txBody>
+          <a:bodyPr wrap="none">
+            <a:spAutoFit/>
+          </a:bodyPr>
+          <a:lstStyle/>
+          <a:p>
+            <a:pPr algn="r"/>
+            <a:r>
+              <a:rPr lang="en-US" sz="1300" dirty="0" smtClean="0">
+                <a:solidFill>
+                  <a:schemeClr val="tx1">
+                    <a:lumMod val="65000"/>
+                    <a:lumOff val="35000"/>
+                  </a:schemeClr>
+                </a:solidFill>
+              </a:rPr>
+              <a:t>64</a:t>
+            </a:r>
+            <a:r>
+              <a:rPr lang="en-US" sz="1300" dirty="0" smtClean="0">
+                <a:solidFill>
+                  <a:schemeClr val="tx1">
+                    <a:lumMod val="65000"/>
+                    <a:lumOff val="35000"/>
+                  </a:schemeClr>
+                </a:solidFill>
+              </a:rPr>
+              <a:t>x128x3</a:t>
+            </a:r>
+            <a:endParaRPr lang="en-US" sz="1300" dirty="0">
+              <a:solidFill>
+                <a:schemeClr val="tx1">
+                  <a:lumMod val="65000"/>
+                  <a:lumOff val="35000"/>
+                </a:schemeClr>
+              </a:solidFill>
+            </a:endParaRPr>
+          </a:p>
+        </p:txBody>
+      </p:sp>
+      <p:sp>
+        <p:nvSpPr>
+          <p:cNvPr id="32" name="Rectangle 31"/>
+          <p:cNvSpPr/>
+          <p:nvPr/>
+        </p:nvSpPr>
+        <p:spPr>
+          <a:xfrm>
+            <a:off x="2057690" y="1530804"/>
+            <a:ext cx="838692" cy="292388"/>
+          </a:xfrm>
+          <a:prstGeom prst="rect">
+            <a:avLst/>
+          </a:prstGeom>
+        </p:spPr>
+        <p:txBody>
+          <a:bodyPr wrap="none">
+            <a:spAutoFit/>
+          </a:bodyPr>
+          <a:lstStyle/>
+          <a:p>
+            <a:pPr algn="r"/>
+            <a:r>
+              <a:rPr lang="en-US" sz="1300" dirty="0" smtClean="0">
+                <a:solidFill>
+                  <a:schemeClr val="tx1">
+                    <a:lumMod val="65000"/>
+                    <a:lumOff val="35000"/>
+                  </a:schemeClr>
+                </a:solidFill>
+              </a:rPr>
+              <a:t>32x64x24</a:t>
+            </a:r>
+            <a:endParaRPr lang="en-US" sz="1300" dirty="0">
+              <a:solidFill>
+                <a:schemeClr val="tx1">
+                  <a:lumMod val="65000"/>
+                  <a:lumOff val="35000"/>
+                </a:schemeClr>
+              </a:solidFill>
+            </a:endParaRPr>
+          </a:p>
+        </p:txBody>
+      </p:sp>
+      <p:sp>
+        <p:nvSpPr>
+          <p:cNvPr id="33" name="Rectangle 32"/>
+          <p:cNvSpPr/>
+          <p:nvPr/>
+        </p:nvSpPr>
+        <p:spPr>
+          <a:xfrm>
+            <a:off x="2057690" y="2219572"/>
+            <a:ext cx="838692" cy="292388"/>
+          </a:xfrm>
+          <a:prstGeom prst="rect">
+            <a:avLst/>
+          </a:prstGeom>
+        </p:spPr>
+        <p:txBody>
+          <a:bodyPr wrap="none">
+            <a:spAutoFit/>
+          </a:bodyPr>
+          <a:lstStyle/>
+          <a:p>
+            <a:pPr algn="r"/>
+            <a:r>
+              <a:rPr lang="en-US" sz="1300" dirty="0" smtClean="0">
+                <a:solidFill>
+                  <a:schemeClr val="tx1">
+                    <a:lumMod val="65000"/>
+                    <a:lumOff val="35000"/>
+                  </a:schemeClr>
+                </a:solidFill>
+              </a:rPr>
+              <a:t>16</a:t>
+            </a:r>
+            <a:r>
+              <a:rPr lang="en-US" sz="1300" dirty="0" smtClean="0">
+                <a:solidFill>
+                  <a:schemeClr val="tx1">
+                    <a:lumMod val="65000"/>
+                    <a:lumOff val="35000"/>
+                  </a:schemeClr>
+                </a:solidFill>
+              </a:rPr>
+              <a:t>x32x36</a:t>
+            </a:r>
+            <a:endParaRPr lang="en-US" sz="1300" dirty="0">
+              <a:solidFill>
+                <a:schemeClr val="tx1">
+                  <a:lumMod val="65000"/>
+                  <a:lumOff val="35000"/>
+                </a:schemeClr>
+              </a:solidFill>
+            </a:endParaRPr>
+          </a:p>
+        </p:txBody>
+      </p:sp>
+      <p:sp>
+        <p:nvSpPr>
+          <p:cNvPr id="34" name="Rectangle 33"/>
+          <p:cNvSpPr/>
+          <p:nvPr/>
+        </p:nvSpPr>
+        <p:spPr>
+          <a:xfrm>
+            <a:off x="2142650" y="2908340"/>
+            <a:ext cx="753732" cy="292388"/>
+          </a:xfrm>
+          <a:prstGeom prst="rect">
+            <a:avLst/>
+          </a:prstGeom>
+        </p:spPr>
+        <p:txBody>
+          <a:bodyPr wrap="none">
+            <a:spAutoFit/>
+          </a:bodyPr>
+          <a:lstStyle/>
+          <a:p>
+            <a:pPr algn="r"/>
+            <a:r>
+              <a:rPr lang="en-US" sz="1300" dirty="0" smtClean="0">
+                <a:solidFill>
+                  <a:schemeClr val="tx1">
+                    <a:lumMod val="65000"/>
+                    <a:lumOff val="35000"/>
+                  </a:schemeClr>
+                </a:solidFill>
+              </a:rPr>
+              <a:t>8</a:t>
+            </a:r>
+            <a:r>
+              <a:rPr lang="en-US" sz="1300" dirty="0" smtClean="0">
+                <a:solidFill>
+                  <a:schemeClr val="tx1">
+                    <a:lumMod val="65000"/>
+                    <a:lumOff val="35000"/>
+                  </a:schemeClr>
+                </a:solidFill>
+              </a:rPr>
+              <a:t>x16x48</a:t>
+            </a:r>
+            <a:endParaRPr lang="en-US" sz="1300" dirty="0">
+              <a:solidFill>
+                <a:schemeClr val="tx1">
+                  <a:lumMod val="65000"/>
+                  <a:lumOff val="35000"/>
+                </a:schemeClr>
+              </a:solidFill>
+            </a:endParaRPr>
+          </a:p>
+        </p:txBody>
+      </p:sp>
+      <p:sp>
+        <p:nvSpPr>
+          <p:cNvPr id="35" name="Rectangle 34"/>
+          <p:cNvSpPr/>
+          <p:nvPr/>
+        </p:nvSpPr>
+        <p:spPr>
+          <a:xfrm>
+            <a:off x="2227609" y="3599702"/>
+            <a:ext cx="668773" cy="292388"/>
+          </a:xfrm>
+          <a:prstGeom prst="rect">
+            <a:avLst/>
+          </a:prstGeom>
+        </p:spPr>
+        <p:txBody>
+          <a:bodyPr wrap="none">
+            <a:spAutoFit/>
+          </a:bodyPr>
+          <a:lstStyle/>
+          <a:p>
+            <a:pPr algn="r"/>
+            <a:r>
+              <a:rPr lang="en-US" sz="1300" dirty="0" smtClean="0">
+                <a:solidFill>
+                  <a:schemeClr val="tx1">
+                    <a:lumMod val="65000"/>
+                    <a:lumOff val="35000"/>
+                  </a:schemeClr>
+                </a:solidFill>
+              </a:rPr>
+              <a:t>4</a:t>
+            </a:r>
+            <a:r>
+              <a:rPr lang="en-US" sz="1300" dirty="0" smtClean="0">
+                <a:solidFill>
+                  <a:schemeClr val="tx1">
+                    <a:lumMod val="65000"/>
+                    <a:lumOff val="35000"/>
+                  </a:schemeClr>
+                </a:solidFill>
+              </a:rPr>
+              <a:t>x8x64</a:t>
+            </a:r>
+            <a:endParaRPr lang="en-US" sz="1300" dirty="0">
+              <a:solidFill>
+                <a:schemeClr val="tx1">
+                  <a:lumMod val="65000"/>
+                  <a:lumOff val="35000"/>
+                </a:schemeClr>
+              </a:solidFill>
+            </a:endParaRPr>
+          </a:p>
+        </p:txBody>
+      </p:sp>
+      <p:sp>
+        <p:nvSpPr>
+          <p:cNvPr id="36" name="Rectangle 35"/>
+          <p:cNvSpPr/>
+          <p:nvPr/>
+        </p:nvSpPr>
+        <p:spPr>
+          <a:xfrm>
+            <a:off x="2227609" y="4288470"/>
+            <a:ext cx="668773" cy="292388"/>
+          </a:xfrm>
+          <a:prstGeom prst="rect">
+            <a:avLst/>
+          </a:prstGeom>
+        </p:spPr>
+        <p:txBody>
+          <a:bodyPr wrap="none">
+            <a:spAutoFit/>
+          </a:bodyPr>
+          <a:lstStyle/>
+          <a:p>
+            <a:pPr algn="r"/>
+            <a:r>
+              <a:rPr lang="en-US" sz="1300" dirty="0" smtClean="0">
+                <a:solidFill>
+                  <a:schemeClr val="tx1">
+                    <a:lumMod val="65000"/>
+                    <a:lumOff val="35000"/>
+                  </a:schemeClr>
+                </a:solidFill>
+              </a:rPr>
+              <a:t>2</a:t>
+            </a:r>
+            <a:r>
+              <a:rPr lang="en-US" sz="1300" dirty="0" smtClean="0">
+                <a:solidFill>
+                  <a:schemeClr val="tx1">
+                    <a:lumMod val="65000"/>
+                    <a:lumOff val="35000"/>
+                  </a:schemeClr>
+                </a:solidFill>
+              </a:rPr>
+              <a:t>x4x64</a:t>
+            </a:r>
+            <a:endParaRPr lang="en-US" sz="1300" dirty="0">
+              <a:solidFill>
+                <a:schemeClr val="tx1">
+                  <a:lumMod val="65000"/>
+                  <a:lumOff val="35000"/>
+                </a:schemeClr>
+              </a:solidFill>
+            </a:endParaRPr>
+          </a:p>
+        </p:txBody>
+      </p:sp>
+      <p:cxnSp>
+        <p:nvCxnSpPr>
+          <p:cNvPr id="41" name="Elbow Connector 40"/>
+          <p:cNvCxnSpPr>
+            <a:stCxn id="27" idx="3"/>
+            <a:endCxn id="58" idx="2"/>
+          </p:cNvCxnSpPr>
+          <p:nvPr/>
+        </p:nvCxnSpPr>
+        <p:spPr>
+          <a:xfrm rot="5400000" flipH="1" flipV="1">
+            <a:off x="4659666" y="3667508"/>
+            <a:ext cx="117877" cy="2138482"/>
+          </a:xfrm>
+          <a:prstGeom prst="bentConnector3">
+            <a:avLst>
+              <a:gd name="adj1" fmla="val -263748"/>
+            </a:avLst>
+          </a:prstGeom>
+          <a:ln w="38100">
+            <a:solidFill>
+              <a:schemeClr val="accent1">
+                <a:lumMod val="75000"/>
+              </a:schemeClr>
+            </a:solidFill>
+            <a:tailEnd type="triangle"/>
+          </a:ln>
+        </p:spPr>
+        <p:style>
+          <a:lnRef idx="1">
+            <a:schemeClr val="accent1"/>
+          </a:lnRef>
+          <a:fillRef idx="0">
+            <a:schemeClr val="accent1"/>
+          </a:fillRef>
+          <a:effectRef idx="0">
+            <a:schemeClr val="accent1"/>
+          </a:effectRef>
+          <a:fontRef idx="minor">
+            <a:schemeClr val="tx1"/>
+          </a:fontRef>
+        </p:style>
+      </p:cxnSp>
+      <p:sp>
+        <p:nvSpPr>
+          <p:cNvPr id="47" name="Rectangle 46"/>
+          <p:cNvSpPr/>
+          <p:nvPr/>
+        </p:nvSpPr>
+        <p:spPr>
+          <a:xfrm>
+            <a:off x="4395185" y="4959709"/>
+            <a:ext cx="724236" cy="296883"/>
           </a:xfrm>
           <a:prstGeom prst="rect">
             <a:avLst/>
@@ -4709,7 +5116,7 @@
                   <a:schemeClr val="tx1"/>
                 </a:solidFill>
               </a:rPr>
-              <a:t>maxpool</a:t>
+              <a:t>flat</a:t>
             </a:r>
             <a:endParaRPr lang="en-US" sz="1500" dirty="0">
               <a:solidFill>
@@ -4721,13 +5128,75 @@
       </p:sp>
       <p:sp>
         <p:nvSpPr>
-          <p:cNvPr id="22" name="Rectangle 21"/>
+          <p:cNvPr id="57" name="Rectangle 56"/>
           <p:cNvSpPr/>
           <p:nvPr/>
         </p:nvSpPr>
         <p:spPr>
           <a:xfrm>
-            <a:off x="2898895" y="4699649"/>
+            <a:off x="5039699" y="3989043"/>
+            <a:ext cx="1496291" cy="296883"/>
+          </a:xfrm>
+          <a:prstGeom prst="rect">
+            <a:avLst/>
+          </a:prstGeom>
+          <a:solidFill>
+            <a:schemeClr val="bg1">
+              <a:lumMod val="95000"/>
+            </a:schemeClr>
+          </a:solidFill>
+          <a:ln>
+            <a:solidFill>
+              <a:schemeClr val="accent1"/>
+            </a:solidFill>
+          </a:ln>
+        </p:spPr>
+        <p:style>
+          <a:lnRef idx="2">
+            <a:schemeClr val="accent1">
+              <a:shade val="50000"/>
+            </a:schemeClr>
+          </a:lnRef>
+          <a:fillRef idx="1">
+            <a:schemeClr val="accent1"/>
+          </a:fillRef>
+          <a:effectRef idx="0">
+            <a:schemeClr val="accent1"/>
+          </a:effectRef>
+          <a:fontRef idx="minor">
+            <a:schemeClr val="lt1"/>
+          </a:fontRef>
+        </p:style>
+        <p:txBody>
+          <a:bodyPr rtlCol="0" anchor="ctr"/>
+          <a:lstStyle/>
+          <a:p>
+            <a:pPr algn="ctr"/>
+            <a:r>
+              <a:rPr lang="en-US" sz="1500" dirty="0" err="1" smtClean="0">
+                <a:solidFill>
+                  <a:schemeClr val="tx1"/>
+                </a:solidFill>
+              </a:rPr>
+              <a:t>elu</a:t>
+            </a:r>
+            <a:endParaRPr lang="en-US" sz="1500" dirty="0">
+              <a:solidFill>
+                <a:schemeClr val="tx1"/>
+              </a:solidFill>
+            </a:endParaRPr>
+          </a:p>
+        </p:txBody>
+      </p:sp>
+      <p:sp>
+        <p:nvSpPr>
+          <p:cNvPr id="58" name="Rectangle 57"/>
+          <p:cNvSpPr/>
+          <p:nvPr/>
+        </p:nvSpPr>
+        <p:spPr>
+          <a:xfrm>
+            <a:off x="5039700" y="4285924"/>
             <a:ext cx="1496291" cy="391886"/>
           </a:xfrm>
           <a:prstGeom prst="rect">
@@ -4767,14 +5236,14 @@
           <a:p>
             <a:pPr algn="ctr"/>
             <a:r>
-              <a:rPr lang="en-US" sz="1500" dirty="0" smtClean="0">
+              <a:rPr lang="en-US" sz="1600" dirty="0" smtClean="0">
                 <a:solidFill>
                   <a:schemeClr val="tx1"/>
                 </a:solidFill>
               </a:rPr>
-              <a:t>5x5 conv </a:t>
-            </a:r>
-            <a:endParaRPr lang="en-US" sz="1500" dirty="0">
+              <a:t>fc</a:t>
+            </a:r>
+            <a:endParaRPr lang="en-US" sz="1600" dirty="0">
               <a:solidFill>
                 <a:schemeClr val="tx1"/>
               </a:solidFill>
@@ -4784,13 +5253,56 @@
       </p:sp>
       <p:sp>
         <p:nvSpPr>
-          <p:cNvPr id="23" name="Rectangle 22"/>
+          <p:cNvPr id="59" name="Rectangle 58"/>
           <p:cNvSpPr/>
           <p:nvPr/>
         </p:nvSpPr>
         <p:spPr>
           <a:xfrm>
-            <a:off x="2898895" y="5091534"/>
+            <a:off x="6535990" y="4384401"/>
+            <a:ext cx="439544" cy="292388"/>
+          </a:xfrm>
+          <a:prstGeom prst="rect">
+            <a:avLst/>
+          </a:prstGeom>
+        </p:spPr>
+        <p:txBody>
+          <a:bodyPr wrap="none">
+            <a:spAutoFit/>
+          </a:bodyPr>
+          <a:lstStyle/>
+          <a:p>
+            <a:r>
+              <a:rPr lang="en-US" sz="1300" dirty="0" smtClean="0">
+                <a:solidFill>
+                  <a:schemeClr val="tx1">
+                    <a:lumMod val="65000"/>
+                    <a:lumOff val="35000"/>
+                  </a:schemeClr>
+                </a:solidFill>
+              </a:rPr>
+              <a:t>150</a:t>
+            </a:r>
+            <a:endParaRPr lang="en-US" sz="1300" dirty="0">
+              <a:solidFill>
+                <a:schemeClr val="tx1">
+                  <a:lumMod val="65000"/>
+                  <a:lumOff val="35000"/>
+                </a:schemeClr>
+              </a:solidFill>
+            </a:endParaRPr>
+          </a:p>
+        </p:txBody>
+      </p:sp>
+      <p:sp>
+        <p:nvSpPr>
+          <p:cNvPr id="61" name="Rectangle 60"/>
+          <p:cNvSpPr/>
+          <p:nvPr/>
+        </p:nvSpPr>
+        <p:spPr>
+          <a:xfrm>
+            <a:off x="5039698" y="3302053"/>
             <a:ext cx="1496291" cy="296883"/>
           </a:xfrm>
           <a:prstGeom prst="rect">
@@ -4829,12 +5341,12 @@
           <a:p>
             <a:pPr algn="ctr"/>
             <a:r>
-              <a:rPr lang="en-US" sz="1500" dirty="0" smtClean="0">
+              <a:rPr lang="en-US" sz="1500" dirty="0" err="1" smtClean="0">
                 <a:solidFill>
                   <a:schemeClr val="tx1"/>
                 </a:solidFill>
               </a:rPr>
-              <a:t>relu</a:t>
+              <a:t>elu</a:t>
             </a:r>
             <a:endParaRPr lang="en-US" sz="1500" dirty="0">
               <a:solidFill>
@@ -4846,13 +5358,13 @@
       </p:sp>
       <p:sp>
         <p:nvSpPr>
-          <p:cNvPr id="24" name="Rectangle 23"/>
+          <p:cNvPr id="62" name="Rectangle 61"/>
           <p:cNvSpPr/>
           <p:nvPr/>
         </p:nvSpPr>
         <p:spPr>
           <a:xfrm>
-            <a:off x="2898895" y="5388417"/>
+            <a:off x="5039699" y="3598934"/>
             <a:ext cx="1496291" cy="391886"/>
           </a:xfrm>
           <a:prstGeom prst="rect">
@@ -4892,14 +5404,14 @@
           <a:p>
             <a:pPr algn="ctr"/>
             <a:r>
-              <a:rPr lang="en-US" sz="1500" dirty="0" smtClean="0">
+              <a:rPr lang="en-US" sz="1600" dirty="0" smtClean="0">
                 <a:solidFill>
                   <a:schemeClr val="tx1"/>
                 </a:solidFill>
               </a:rPr>
-              <a:t>5x5 conv </a:t>
-            </a:r>
-            <a:endParaRPr lang="en-US" sz="1500" dirty="0">
+              <a:t>fc</a:t>
+            </a:r>
+            <a:endParaRPr lang="en-US" sz="1600" dirty="0">
               <a:solidFill>
                 <a:schemeClr val="tx1"/>
               </a:solidFill>
@@ -4909,181 +5421,14 @@
       </p:sp>
       <p:sp>
         <p:nvSpPr>
-          <p:cNvPr id="25" name="Rectangle 24"/>
+          <p:cNvPr id="63" name="Rectangle 62"/>
           <p:cNvSpPr/>
           <p:nvPr/>
         </p:nvSpPr>
         <p:spPr>
           <a:xfrm>
-            <a:off x="2898895" y="5780302"/>
-            <a:ext cx="1496291" cy="296883"/>
-          </a:xfrm>
-          <a:prstGeom prst="rect">
-            <a:avLst/>
-          </a:prstGeom>
-          <a:solidFill>
-            <a:schemeClr val="bg1">
-              <a:lumMod val="95000"/>
-            </a:schemeClr>
-          </a:solidFill>
-          <a:ln>
-            <a:solidFill>
-              <a:schemeClr val="accent1"/>
-            </a:solidFill>
-          </a:ln>
-        </p:spPr>
-        <p:style>
-          <a:lnRef idx="2">
-            <a:schemeClr val="accent1">
-              <a:shade val="50000"/>
-            </a:schemeClr>
-          </a:lnRef>
-          <a:fillRef idx="1">
-            <a:schemeClr val="accent1"/>
-          </a:fillRef>
-          <a:effectRef idx="0">
-            <a:schemeClr val="accent1"/>
-          </a:effectRef>
-          <a:fontRef idx="minor">
-            <a:schemeClr val="lt1"/>
-          </a:fontRef>
-        </p:style>
-        <p:txBody>
-          <a:bodyPr rtlCol="0" anchor="ctr"/>
-          <a:lstStyle/>
-          <a:p>
-            <a:pPr algn="ctr"/>
-            <a:r>
-              <a:rPr lang="en-US" sz="1500" dirty="0" smtClean="0">
-                <a:solidFill>
-                  <a:schemeClr val="tx1"/>
-                </a:solidFill>
-              </a:rPr>
-              <a:t>relu</a:t>
-            </a:r>
-            <a:endParaRPr lang="en-US" sz="1500" dirty="0">
-              <a:solidFill>
-                <a:schemeClr val="tx1"/>
-              </a:solidFill>
-            </a:endParaRPr>
-          </a:p>
-        </p:txBody>
-      </p:sp>
-      <p:sp>
-        <p:nvSpPr>
-          <p:cNvPr id="26" name="Rectangle 25"/>
-          <p:cNvSpPr/>
-          <p:nvPr/>
-        </p:nvSpPr>
-        <p:spPr>
-          <a:xfrm>
-            <a:off x="2898894" y="6077185"/>
-            <a:ext cx="1496291" cy="296883"/>
-          </a:xfrm>
-          <a:prstGeom prst="rect">
-            <a:avLst/>
-          </a:prstGeom>
-          <a:solidFill>
-            <a:schemeClr val="bg1">
-              <a:lumMod val="95000"/>
-            </a:schemeClr>
-          </a:solidFill>
-          <a:ln>
-            <a:solidFill>
-              <a:schemeClr val="accent1"/>
-            </a:solidFill>
-          </a:ln>
-        </p:spPr>
-        <p:style>
-          <a:lnRef idx="2">
-            <a:schemeClr val="accent1">
-              <a:shade val="50000"/>
-            </a:schemeClr>
-          </a:lnRef>
-          <a:fillRef idx="1">
-            <a:schemeClr val="accent1"/>
-          </a:fillRef>
-          <a:effectRef idx="0">
-            <a:schemeClr val="accent1"/>
-          </a:effectRef>
-          <a:fontRef idx="minor">
-            <a:schemeClr val="lt1"/>
-          </a:fontRef>
-        </p:style>
-        <p:txBody>
-          <a:bodyPr rtlCol="0" anchor="ctr"/>
-          <a:lstStyle/>
-          <a:p>
-            <a:pPr algn="ctr"/>
-            <a:r>
-              <a:rPr lang="en-US" sz="1500" smtClean="0">
-                <a:solidFill>
-                  <a:schemeClr val="tx1"/>
-                </a:solidFill>
-              </a:rPr>
-              <a:t>maxpool</a:t>
-            </a:r>
-            <a:endParaRPr lang="en-US" sz="1500" dirty="0">
-              <a:solidFill>
-                <a:schemeClr val="tx1"/>
-              </a:solidFill>
-            </a:endParaRPr>
-          </a:p>
-        </p:txBody>
-      </p:sp>
-      <p:cxnSp>
-        <p:nvCxnSpPr>
-          <p:cNvPr id="29" name="Elbow Connector 28"/>
-          <p:cNvCxnSpPr>
-            <a:stCxn id="76" idx="0"/>
-            <a:endCxn id="27" idx="1"/>
-          </p:cNvCxnSpPr>
-          <p:nvPr/>
-        </p:nvCxnSpPr>
-        <p:spPr>
-          <a:xfrm rot="5400000" flipH="1" flipV="1">
-            <a:off x="2395778" y="-585416"/>
-            <a:ext cx="7800" cy="2499372"/>
-          </a:xfrm>
-          <a:prstGeom prst="bentConnector3">
-            <a:avLst>
-              <a:gd name="adj1" fmla="val 5407154"/>
-            </a:avLst>
-          </a:prstGeom>
-          <a:ln w="38100">
-            <a:solidFill>
-              <a:schemeClr val="accent1">
-                <a:lumMod val="75000"/>
-              </a:schemeClr>
-            </a:solidFill>
-            <a:tailEnd type="triangle"/>
-          </a:ln>
-        </p:spPr>
-        <p:style>
-          <a:lnRef idx="1">
-            <a:schemeClr val="accent1"/>
-          </a:lnRef>
-          <a:fillRef idx="0">
-            <a:schemeClr val="accent1"/>
-          </a:fillRef>
-          <a:effectRef idx="0">
-            <a:schemeClr val="accent1"/>
-          </a:effectRef>
-          <a:fontRef idx="minor">
-            <a:schemeClr val="tx1"/>
-          </a:fontRef>
-        </p:style>
-      </p:cxnSp>
-      <p:sp>
-        <p:nvSpPr>
-          <p:cNvPr id="31" name="Rectangle 30"/>
-          <p:cNvSpPr/>
-          <p:nvPr/>
-        </p:nvSpPr>
-        <p:spPr>
-          <a:xfrm>
-            <a:off x="2142650" y="251722"/>
-            <a:ext cx="753732" cy="292388"/>
+            <a:off x="6535989" y="3697411"/>
+            <a:ext cx="354584" cy="292388"/>
           </a:xfrm>
           <a:prstGeom prst="rect">
             <a:avLst/>
@@ -5095,9 +5440,8 @@
           </a:bodyPr>
           <a:lstStyle/>
           <a:p>
-            <a:pPr algn="r"/>
-            <a:r>
-              <a:rPr lang="en-US" sz="1300">
+            <a:r>
+              <a:rPr lang="en-US" sz="1300" dirty="0" smtClean="0">
                 <a:solidFill>
                   <a:schemeClr val="tx1">
                     <a:lumMod val="65000"/>
@@ -5105,7 +5449,7 @@
                   </a:schemeClr>
                 </a:solidFill>
               </a:rPr>
-              <a:t>32x32x3</a:t>
+              <a:t>50</a:t>
             </a:r>
             <a:endParaRPr lang="en-US" sz="1300" dirty="0">
               <a:solidFill>
@@ -5120,594 +5464,13 @@
       </p:sp>
       <p:sp>
         <p:nvSpPr>
-          <p:cNvPr id="32" name="Rectangle 31"/>
+          <p:cNvPr id="67" name="Rectangle 66"/>
           <p:cNvSpPr/>
           <p:nvPr/>
         </p:nvSpPr>
         <p:spPr>
           <a:xfrm>
-            <a:off x="2142650" y="843597"/>
-            <a:ext cx="753732" cy="292388"/>
-          </a:xfrm>
-          <a:prstGeom prst="rect">
-            <a:avLst/>
-          </a:prstGeom>
-        </p:spPr>
-        <p:txBody>
-          <a:bodyPr wrap="none">
-            <a:spAutoFit/>
-          </a:bodyPr>
-          <a:lstStyle/>
-          <a:p>
-            <a:pPr algn="r"/>
-            <a:r>
-              <a:rPr lang="en-US" sz="1300" dirty="0" smtClean="0">
-                <a:solidFill>
-                  <a:schemeClr val="tx1">
-                    <a:lumMod val="65000"/>
-                    <a:lumOff val="35000"/>
-                  </a:schemeClr>
-                </a:solidFill>
-              </a:rPr>
-              <a:t>32x32x3</a:t>
-            </a:r>
-            <a:endParaRPr lang="en-US" sz="1300" dirty="0">
-              <a:solidFill>
-                <a:schemeClr val="tx1">
-                  <a:lumMod val="65000"/>
-                  <a:lumOff val="35000"/>
-                </a:schemeClr>
-              </a:solidFill>
-            </a:endParaRPr>
-          </a:p>
-        </p:txBody>
-      </p:sp>
-      <p:sp>
-        <p:nvSpPr>
-          <p:cNvPr id="33" name="Rectangle 32"/>
-          <p:cNvSpPr/>
-          <p:nvPr/>
-        </p:nvSpPr>
-        <p:spPr>
-          <a:xfrm>
-            <a:off x="2142650" y="1532365"/>
-            <a:ext cx="753732" cy="292388"/>
-          </a:xfrm>
-          <a:prstGeom prst="rect">
-            <a:avLst/>
-          </a:prstGeom>
-        </p:spPr>
-        <p:txBody>
-          <a:bodyPr wrap="none">
-            <a:spAutoFit/>
-          </a:bodyPr>
-          <a:lstStyle/>
-          <a:p>
-            <a:pPr algn="r"/>
-            <a:r>
-              <a:rPr lang="en-US" sz="1300" dirty="0" smtClean="0">
-                <a:solidFill>
-                  <a:schemeClr val="tx1">
-                    <a:lumMod val="65000"/>
-                    <a:lumOff val="35000"/>
-                  </a:schemeClr>
-                </a:solidFill>
-              </a:rPr>
-              <a:t>32x32x8</a:t>
-            </a:r>
-            <a:endParaRPr lang="en-US" sz="1300" dirty="0">
-              <a:solidFill>
-                <a:schemeClr val="tx1">
-                  <a:lumMod val="65000"/>
-                  <a:lumOff val="35000"/>
-                </a:schemeClr>
-              </a:solidFill>
-            </a:endParaRPr>
-          </a:p>
-        </p:txBody>
-      </p:sp>
-      <p:sp>
-        <p:nvSpPr>
-          <p:cNvPr id="34" name="Rectangle 33"/>
-          <p:cNvSpPr/>
-          <p:nvPr/>
-        </p:nvSpPr>
-        <p:spPr>
-          <a:xfrm>
-            <a:off x="2057691" y="2221133"/>
-            <a:ext cx="838691" cy="292388"/>
-          </a:xfrm>
-          <a:prstGeom prst="rect">
-            <a:avLst/>
-          </a:prstGeom>
-        </p:spPr>
-        <p:txBody>
-          <a:bodyPr wrap="none">
-            <a:spAutoFit/>
-          </a:bodyPr>
-          <a:lstStyle/>
-          <a:p>
-            <a:pPr algn="r"/>
-            <a:r>
-              <a:rPr lang="en-US" sz="1300" dirty="0" smtClean="0">
-                <a:solidFill>
-                  <a:schemeClr val="tx1">
-                    <a:lumMod val="65000"/>
-                    <a:lumOff val="35000"/>
-                  </a:schemeClr>
-                </a:solidFill>
-              </a:rPr>
-              <a:t>32x32x16</a:t>
-            </a:r>
-            <a:endParaRPr lang="en-US" sz="1300" dirty="0">
-              <a:solidFill>
-                <a:schemeClr val="tx1">
-                  <a:lumMod val="65000"/>
-                  <a:lumOff val="35000"/>
-                </a:schemeClr>
-              </a:solidFill>
-            </a:endParaRPr>
-          </a:p>
-        </p:txBody>
-      </p:sp>
-      <p:sp>
-        <p:nvSpPr>
-          <p:cNvPr id="35" name="Rectangle 34"/>
-          <p:cNvSpPr/>
-          <p:nvPr/>
-        </p:nvSpPr>
-        <p:spPr>
-          <a:xfrm>
-            <a:off x="2057691" y="3206783"/>
-            <a:ext cx="838691" cy="292388"/>
-          </a:xfrm>
-          <a:prstGeom prst="rect">
-            <a:avLst/>
-          </a:prstGeom>
-        </p:spPr>
-        <p:txBody>
-          <a:bodyPr wrap="none">
-            <a:spAutoFit/>
-          </a:bodyPr>
-          <a:lstStyle/>
-          <a:p>
-            <a:pPr algn="r"/>
-            <a:r>
-              <a:rPr lang="en-US" sz="1300" smtClean="0">
-                <a:solidFill>
-                  <a:schemeClr val="tx1">
-                    <a:lumMod val="65000"/>
-                    <a:lumOff val="35000"/>
-                  </a:schemeClr>
-                </a:solidFill>
-              </a:rPr>
-              <a:t>16x16x16</a:t>
-            </a:r>
-            <a:endParaRPr lang="en-US" sz="1300" dirty="0">
-              <a:solidFill>
-                <a:schemeClr val="tx1">
-                  <a:lumMod val="65000"/>
-                  <a:lumOff val="35000"/>
-                </a:schemeClr>
-              </a:solidFill>
-            </a:endParaRPr>
-          </a:p>
-        </p:txBody>
-      </p:sp>
-      <p:sp>
-        <p:nvSpPr>
-          <p:cNvPr id="36" name="Rectangle 35"/>
-          <p:cNvSpPr/>
-          <p:nvPr/>
-        </p:nvSpPr>
-        <p:spPr>
-          <a:xfrm>
-            <a:off x="2057691" y="3895551"/>
-            <a:ext cx="838691" cy="292388"/>
-          </a:xfrm>
-          <a:prstGeom prst="rect">
-            <a:avLst/>
-          </a:prstGeom>
-        </p:spPr>
-        <p:txBody>
-          <a:bodyPr wrap="none">
-            <a:spAutoFit/>
-          </a:bodyPr>
-          <a:lstStyle/>
-          <a:p>
-            <a:pPr algn="r"/>
-            <a:r>
-              <a:rPr lang="en-US" sz="1300" dirty="0" smtClean="0">
-                <a:solidFill>
-                  <a:schemeClr val="tx1">
-                    <a:lumMod val="65000"/>
-                    <a:lumOff val="35000"/>
-                  </a:schemeClr>
-                </a:solidFill>
-              </a:rPr>
-              <a:t>16x16x32</a:t>
-            </a:r>
-            <a:endParaRPr lang="en-US" sz="1300" dirty="0">
-              <a:solidFill>
-                <a:schemeClr val="tx1">
-                  <a:lumMod val="65000"/>
-                  <a:lumOff val="35000"/>
-                </a:schemeClr>
-              </a:solidFill>
-            </a:endParaRPr>
-          </a:p>
-        </p:txBody>
-      </p:sp>
-      <p:sp>
-        <p:nvSpPr>
-          <p:cNvPr id="37" name="Rectangle 36"/>
-          <p:cNvSpPr/>
-          <p:nvPr/>
-        </p:nvSpPr>
-        <p:spPr>
-          <a:xfrm>
-            <a:off x="2227609" y="4881201"/>
-            <a:ext cx="668773" cy="292388"/>
-          </a:xfrm>
-          <a:prstGeom prst="rect">
-            <a:avLst/>
-          </a:prstGeom>
-        </p:spPr>
-        <p:txBody>
-          <a:bodyPr wrap="none">
-            <a:spAutoFit/>
-          </a:bodyPr>
-          <a:lstStyle/>
-          <a:p>
-            <a:pPr algn="r"/>
-            <a:r>
-              <a:rPr lang="en-US" sz="1300" dirty="0" smtClean="0">
-                <a:solidFill>
-                  <a:schemeClr val="tx1">
-                    <a:lumMod val="65000"/>
-                    <a:lumOff val="35000"/>
-                  </a:schemeClr>
-                </a:solidFill>
-              </a:rPr>
-              <a:t>8x8x32</a:t>
-            </a:r>
-            <a:endParaRPr lang="en-US" sz="1300" dirty="0">
-              <a:solidFill>
-                <a:schemeClr val="tx1">
-                  <a:lumMod val="65000"/>
-                  <a:lumOff val="35000"/>
-                </a:schemeClr>
-              </a:solidFill>
-            </a:endParaRPr>
-          </a:p>
-        </p:txBody>
-      </p:sp>
-      <p:sp>
-        <p:nvSpPr>
-          <p:cNvPr id="38" name="Rectangle 37"/>
-          <p:cNvSpPr/>
-          <p:nvPr/>
-        </p:nvSpPr>
-        <p:spPr>
-          <a:xfrm>
-            <a:off x="2227609" y="5569969"/>
-            <a:ext cx="668773" cy="292388"/>
-          </a:xfrm>
-          <a:prstGeom prst="rect">
-            <a:avLst/>
-          </a:prstGeom>
-        </p:spPr>
-        <p:txBody>
-          <a:bodyPr wrap="none">
-            <a:spAutoFit/>
-          </a:bodyPr>
-          <a:lstStyle/>
-          <a:p>
-            <a:pPr algn="r"/>
-            <a:r>
-              <a:rPr lang="en-US" sz="1300" dirty="0" smtClean="0">
-                <a:solidFill>
-                  <a:schemeClr val="tx1">
-                    <a:lumMod val="65000"/>
-                    <a:lumOff val="35000"/>
-                  </a:schemeClr>
-                </a:solidFill>
-              </a:rPr>
-              <a:t>8x8x64</a:t>
-            </a:r>
-            <a:endParaRPr lang="en-US" sz="1300" dirty="0">
-              <a:solidFill>
-                <a:schemeClr val="tx1">
-                  <a:lumMod val="65000"/>
-                  <a:lumOff val="35000"/>
-                </a:schemeClr>
-              </a:solidFill>
-            </a:endParaRPr>
-          </a:p>
-        </p:txBody>
-      </p:sp>
-      <p:sp>
-        <p:nvSpPr>
-          <p:cNvPr id="39" name="Rectangle 38"/>
-          <p:cNvSpPr/>
-          <p:nvPr/>
-        </p:nvSpPr>
-        <p:spPr>
-          <a:xfrm>
-            <a:off x="2227609" y="6365634"/>
-            <a:ext cx="668773" cy="292388"/>
-          </a:xfrm>
-          <a:prstGeom prst="rect">
-            <a:avLst/>
-          </a:prstGeom>
-        </p:spPr>
-        <p:txBody>
-          <a:bodyPr wrap="none">
-            <a:spAutoFit/>
-          </a:bodyPr>
-          <a:lstStyle/>
-          <a:p>
-            <a:pPr algn="r"/>
-            <a:r>
-              <a:rPr lang="en-US" sz="1300" dirty="0" smtClean="0">
-                <a:solidFill>
-                  <a:schemeClr val="tx1">
-                    <a:lumMod val="65000"/>
-                    <a:lumOff val="35000"/>
-                  </a:schemeClr>
-                </a:solidFill>
-              </a:rPr>
-              <a:t>4x4x64</a:t>
-            </a:r>
-            <a:endParaRPr lang="en-US" sz="1300" dirty="0">
-              <a:solidFill>
-                <a:schemeClr val="tx1">
-                  <a:lumMod val="65000"/>
-                  <a:lumOff val="35000"/>
-                </a:schemeClr>
-              </a:solidFill>
-            </a:endParaRPr>
-          </a:p>
-        </p:txBody>
-      </p:sp>
-      <p:cxnSp>
-        <p:nvCxnSpPr>
-          <p:cNvPr id="41" name="Elbow Connector 40"/>
-          <p:cNvCxnSpPr>
-            <a:stCxn id="27" idx="3"/>
-            <a:endCxn id="58" idx="2"/>
-          </p:cNvCxnSpPr>
-          <p:nvPr/>
-        </p:nvCxnSpPr>
-        <p:spPr>
-          <a:xfrm rot="5400000" flipH="1" flipV="1">
-            <a:off x="3972682" y="4558904"/>
-            <a:ext cx="1491846" cy="2138482"/>
-          </a:xfrm>
-          <a:prstGeom prst="bentConnector3">
-            <a:avLst>
-              <a:gd name="adj1" fmla="val -15323"/>
-            </a:avLst>
-          </a:prstGeom>
-          <a:ln w="38100">
-            <a:solidFill>
-              <a:schemeClr val="accent1">
-                <a:lumMod val="75000"/>
-              </a:schemeClr>
-            </a:solidFill>
-            <a:tailEnd type="triangle"/>
-          </a:ln>
-        </p:spPr>
-        <p:style>
-          <a:lnRef idx="1">
-            <a:schemeClr val="accent1"/>
-          </a:lnRef>
-          <a:fillRef idx="0">
-            <a:schemeClr val="accent1"/>
-          </a:fillRef>
-          <a:effectRef idx="0">
-            <a:schemeClr val="accent1"/>
-          </a:effectRef>
-          <a:fontRef idx="minor">
-            <a:schemeClr val="tx1"/>
-          </a:fontRef>
-        </p:style>
-      </p:cxnSp>
-      <p:sp>
-        <p:nvSpPr>
-          <p:cNvPr id="47" name="Rectangle 46"/>
-          <p:cNvSpPr/>
-          <p:nvPr/>
-        </p:nvSpPr>
-        <p:spPr>
-          <a:xfrm>
-            <a:off x="5425728" y="6442328"/>
-            <a:ext cx="724236" cy="296883"/>
-          </a:xfrm>
-          <a:prstGeom prst="rect">
-            <a:avLst/>
-          </a:prstGeom>
-          <a:solidFill>
-            <a:schemeClr val="bg1">
-              <a:lumMod val="95000"/>
-            </a:schemeClr>
-          </a:solidFill>
-          <a:ln>
-            <a:solidFill>
-              <a:schemeClr val="accent1"/>
-            </a:solidFill>
-          </a:ln>
-        </p:spPr>
-        <p:style>
-          <a:lnRef idx="2">
-            <a:schemeClr val="accent1">
-              <a:shade val="50000"/>
-            </a:schemeClr>
-          </a:lnRef>
-          <a:fillRef idx="1">
-            <a:schemeClr val="accent1"/>
-          </a:fillRef>
-          <a:effectRef idx="0">
-            <a:schemeClr val="accent1"/>
-          </a:effectRef>
-          <a:fontRef idx="minor">
-            <a:schemeClr val="lt1"/>
-          </a:fontRef>
-        </p:style>
-        <p:txBody>
-          <a:bodyPr rtlCol="0" anchor="ctr"/>
-          <a:lstStyle/>
-          <a:p>
-            <a:pPr algn="ctr"/>
-            <a:r>
-              <a:rPr lang="en-US" sz="1500" smtClean="0">
-                <a:solidFill>
-                  <a:schemeClr val="tx1"/>
-                </a:solidFill>
-              </a:rPr>
-              <a:t>flat</a:t>
-            </a:r>
-            <a:endParaRPr lang="en-US" sz="1500" dirty="0">
-              <a:solidFill>
-                <a:schemeClr val="tx1"/>
-              </a:solidFill>
-            </a:endParaRPr>
-          </a:p>
-        </p:txBody>
-      </p:sp>
-      <p:sp>
-        <p:nvSpPr>
-          <p:cNvPr id="56" name="Rectangle 55"/>
-          <p:cNvSpPr/>
-          <p:nvPr/>
-        </p:nvSpPr>
-        <p:spPr>
-          <a:xfrm>
-            <a:off x="5039700" y="3896572"/>
-            <a:ext cx="1496291" cy="296883"/>
-          </a:xfrm>
-          <a:prstGeom prst="rect">
-            <a:avLst/>
-          </a:prstGeom>
-          <a:solidFill>
-            <a:schemeClr val="bg1">
-              <a:lumMod val="95000"/>
-            </a:schemeClr>
-          </a:solidFill>
-          <a:ln>
-            <a:solidFill>
-              <a:schemeClr val="accent1"/>
-            </a:solidFill>
-          </a:ln>
-        </p:spPr>
-        <p:style>
-          <a:lnRef idx="2">
-            <a:schemeClr val="accent1">
-              <a:shade val="50000"/>
-            </a:schemeClr>
-          </a:lnRef>
-          <a:fillRef idx="1">
-            <a:schemeClr val="accent1"/>
-          </a:fillRef>
-          <a:effectRef idx="0">
-            <a:schemeClr val="accent1"/>
-          </a:effectRef>
-          <a:fontRef idx="minor">
-            <a:schemeClr val="lt1"/>
-          </a:fontRef>
-        </p:style>
-        <p:txBody>
-          <a:bodyPr rtlCol="0" anchor="ctr"/>
-          <a:lstStyle/>
-          <a:p>
-            <a:pPr algn="ctr"/>
-            <a:r>
-              <a:rPr lang="en-US" sz="1500" dirty="0" smtClean="0">
-                <a:solidFill>
-                  <a:schemeClr val="tx1"/>
-                </a:solidFill>
-              </a:rPr>
-              <a:t>dropout</a:t>
-            </a:r>
-            <a:endParaRPr lang="en-US" sz="1500" dirty="0">
-              <a:solidFill>
-                <a:schemeClr val="tx1"/>
-              </a:solidFill>
-            </a:endParaRPr>
-          </a:p>
-        </p:txBody>
-      </p:sp>
-      <p:sp>
-        <p:nvSpPr>
-          <p:cNvPr id="57" name="Rectangle 56"/>
-          <p:cNvSpPr/>
-          <p:nvPr/>
-        </p:nvSpPr>
-        <p:spPr>
-          <a:xfrm>
-            <a:off x="5039699" y="4193455"/>
-            <a:ext cx="1496291" cy="296883"/>
-          </a:xfrm>
-          <a:prstGeom prst="rect">
-            <a:avLst/>
-          </a:prstGeom>
-          <a:solidFill>
-            <a:schemeClr val="bg1">
-              <a:lumMod val="95000"/>
-            </a:schemeClr>
-          </a:solidFill>
-          <a:ln>
-            <a:solidFill>
-              <a:schemeClr val="accent1"/>
-            </a:solidFill>
-          </a:ln>
-        </p:spPr>
-        <p:style>
-          <a:lnRef idx="2">
-            <a:schemeClr val="accent1">
-              <a:shade val="50000"/>
-            </a:schemeClr>
-          </a:lnRef>
-          <a:fillRef idx="1">
-            <a:schemeClr val="accent1"/>
-          </a:fillRef>
-          <a:effectRef idx="0">
-            <a:schemeClr val="accent1"/>
-          </a:effectRef>
-          <a:fontRef idx="minor">
-            <a:schemeClr val="lt1"/>
-          </a:fontRef>
-        </p:style>
-        <p:txBody>
-          <a:bodyPr rtlCol="0" anchor="ctr"/>
-          <a:lstStyle/>
-          <a:p>
-            <a:pPr algn="ctr"/>
-            <a:r>
-              <a:rPr lang="en-US" sz="1500" dirty="0" smtClean="0">
-                <a:solidFill>
-                  <a:schemeClr val="tx1"/>
-                </a:solidFill>
-              </a:rPr>
-              <a:t>relu</a:t>
-            </a:r>
-            <a:endParaRPr lang="en-US" sz="1500" dirty="0">
-              <a:solidFill>
-                <a:schemeClr val="tx1"/>
-              </a:solidFill>
-            </a:endParaRPr>
-          </a:p>
-        </p:txBody>
-      </p:sp>
-      <p:sp>
-        <p:nvSpPr>
-          <p:cNvPr id="58" name="Rectangle 57"/>
-          <p:cNvSpPr/>
-          <p:nvPr/>
-        </p:nvSpPr>
-        <p:spPr>
-          <a:xfrm>
-            <a:off x="5039700" y="4490336"/>
+            <a:off x="5039698" y="2908472"/>
             <a:ext cx="1496291" cy="391886"/>
           </a:xfrm>
           <a:prstGeom prst="rect">
@@ -5764,14 +5527,14 @@
       </p:sp>
       <p:sp>
         <p:nvSpPr>
-          <p:cNvPr id="59" name="Rectangle 58"/>
+          <p:cNvPr id="68" name="Rectangle 67"/>
           <p:cNvSpPr/>
           <p:nvPr/>
         </p:nvSpPr>
         <p:spPr>
           <a:xfrm>
-            <a:off x="6535990" y="4588813"/>
-            <a:ext cx="524504" cy="292388"/>
+            <a:off x="6535988" y="3006949"/>
+            <a:ext cx="354584" cy="292388"/>
           </a:xfrm>
           <a:prstGeom prst="rect">
             <a:avLst/>
@@ -5784,7 +5547,7 @@
           <a:lstStyle/>
           <a:p>
             <a:r>
-              <a:rPr lang="en-US" sz="1300" smtClean="0">
+              <a:rPr lang="en-US" sz="1300" dirty="0" smtClean="0">
                 <a:solidFill>
                   <a:schemeClr val="tx1">
                     <a:lumMod val="65000"/>
@@ -5792,7 +5555,7 @@
                   </a:schemeClr>
                 </a:solidFill>
               </a:rPr>
-              <a:t>1024</a:t>
+              <a:t>10</a:t>
             </a:r>
             <a:endParaRPr lang="en-US" sz="1300" dirty="0">
               <a:solidFill>
@@ -5807,349 +5570,13 @@
       </p:sp>
       <p:sp>
         <p:nvSpPr>
-          <p:cNvPr id="60" name="Rectangle 59"/>
-          <p:cNvSpPr/>
-          <p:nvPr/>
-        </p:nvSpPr>
-        <p:spPr>
-          <a:xfrm>
-            <a:off x="5039698" y="2909900"/>
-            <a:ext cx="1496291" cy="296883"/>
-          </a:xfrm>
-          <a:prstGeom prst="rect">
-            <a:avLst/>
-          </a:prstGeom>
-          <a:solidFill>
-            <a:schemeClr val="bg1">
-              <a:lumMod val="95000"/>
-            </a:schemeClr>
-          </a:solidFill>
-          <a:ln>
-            <a:solidFill>
-              <a:schemeClr val="accent1"/>
-            </a:solidFill>
-          </a:ln>
-        </p:spPr>
-        <p:style>
-          <a:lnRef idx="2">
-            <a:schemeClr val="accent1">
-              <a:shade val="50000"/>
-            </a:schemeClr>
-          </a:lnRef>
-          <a:fillRef idx="1">
-            <a:schemeClr val="accent1"/>
-          </a:fillRef>
-          <a:effectRef idx="0">
-            <a:schemeClr val="accent1"/>
-          </a:effectRef>
-          <a:fontRef idx="minor">
-            <a:schemeClr val="lt1"/>
-          </a:fontRef>
-        </p:style>
-        <p:txBody>
-          <a:bodyPr rtlCol="0" anchor="ctr"/>
-          <a:lstStyle/>
-          <a:p>
-            <a:pPr algn="ctr"/>
-            <a:r>
-              <a:rPr lang="en-US" sz="1500" dirty="0" smtClean="0">
-                <a:solidFill>
-                  <a:schemeClr val="tx1"/>
-                </a:solidFill>
-              </a:rPr>
-              <a:t>dropout</a:t>
-            </a:r>
-            <a:endParaRPr lang="en-US" sz="1500" dirty="0">
-              <a:solidFill>
-                <a:schemeClr val="tx1"/>
-              </a:solidFill>
-            </a:endParaRPr>
-          </a:p>
-        </p:txBody>
-      </p:sp>
-      <p:sp>
-        <p:nvSpPr>
-          <p:cNvPr id="61" name="Rectangle 60"/>
-          <p:cNvSpPr/>
-          <p:nvPr/>
-        </p:nvSpPr>
-        <p:spPr>
-          <a:xfrm>
-            <a:off x="5039698" y="3209165"/>
-            <a:ext cx="1496291" cy="296883"/>
-          </a:xfrm>
-          <a:prstGeom prst="rect">
-            <a:avLst/>
-          </a:prstGeom>
-          <a:solidFill>
-            <a:schemeClr val="bg1">
-              <a:lumMod val="95000"/>
-            </a:schemeClr>
-          </a:solidFill>
-          <a:ln>
-            <a:solidFill>
-              <a:schemeClr val="accent1"/>
-            </a:solidFill>
-          </a:ln>
-        </p:spPr>
-        <p:style>
-          <a:lnRef idx="2">
-            <a:schemeClr val="accent1">
-              <a:shade val="50000"/>
-            </a:schemeClr>
-          </a:lnRef>
-          <a:fillRef idx="1">
-            <a:schemeClr val="accent1"/>
-          </a:fillRef>
-          <a:effectRef idx="0">
-            <a:schemeClr val="accent1"/>
-          </a:effectRef>
-          <a:fontRef idx="minor">
-            <a:schemeClr val="lt1"/>
-          </a:fontRef>
-        </p:style>
-        <p:txBody>
-          <a:bodyPr rtlCol="0" anchor="ctr"/>
-          <a:lstStyle/>
-          <a:p>
-            <a:pPr algn="ctr"/>
-            <a:r>
-              <a:rPr lang="en-US" sz="1500" dirty="0" smtClean="0">
-                <a:solidFill>
-                  <a:schemeClr val="tx1"/>
-                </a:solidFill>
-              </a:rPr>
-              <a:t>relu</a:t>
-            </a:r>
-            <a:endParaRPr lang="en-US" sz="1500" dirty="0">
-              <a:solidFill>
-                <a:schemeClr val="tx1"/>
-              </a:solidFill>
-            </a:endParaRPr>
-          </a:p>
-        </p:txBody>
-      </p:sp>
-      <p:sp>
-        <p:nvSpPr>
-          <p:cNvPr id="62" name="Rectangle 61"/>
-          <p:cNvSpPr/>
-          <p:nvPr/>
-        </p:nvSpPr>
-        <p:spPr>
-          <a:xfrm>
-            <a:off x="5039699" y="3506046"/>
-            <a:ext cx="1496291" cy="391886"/>
-          </a:xfrm>
-          <a:prstGeom prst="rect">
-            <a:avLst/>
-          </a:prstGeom>
-          <a:solidFill>
-            <a:schemeClr val="accent1">
-              <a:lumMod val="60000"/>
-              <a:lumOff val="40000"/>
-            </a:schemeClr>
-          </a:solidFill>
-          <a:ln>
-            <a:solidFill>
-              <a:schemeClr val="accent1"/>
-            </a:solidFill>
-          </a:ln>
-        </p:spPr>
-        <p:style>
-          <a:lnRef idx="2">
-            <a:schemeClr val="accent1">
-              <a:shade val="50000"/>
-            </a:schemeClr>
-          </a:lnRef>
-          <a:fillRef idx="1">
-            <a:schemeClr val="accent1"/>
-          </a:fillRef>
-          <a:effectRef idx="0">
-            <a:schemeClr val="accent1"/>
-          </a:effectRef>
-          <a:fontRef idx="minor">
-            <a:schemeClr val="lt1"/>
-          </a:fontRef>
-        </p:style>
-        <p:txBody>
-          <a:bodyPr rtlCol="0" anchor="ctr"/>
-          <a:lstStyle/>
-          <a:p>
-            <a:pPr algn="ctr"/>
-            <a:r>
-              <a:rPr lang="en-US" sz="1600" dirty="0" smtClean="0">
-                <a:solidFill>
-                  <a:schemeClr val="tx1"/>
-                </a:solidFill>
-              </a:rPr>
-              <a:t>fc</a:t>
-            </a:r>
-            <a:endParaRPr lang="en-US" sz="1600" dirty="0">
-              <a:solidFill>
-                <a:schemeClr val="tx1"/>
-              </a:solidFill>
-            </a:endParaRPr>
-          </a:p>
-        </p:txBody>
-      </p:sp>
-      <p:sp>
-        <p:nvSpPr>
-          <p:cNvPr id="63" name="Rectangle 62"/>
-          <p:cNvSpPr/>
-          <p:nvPr/>
-        </p:nvSpPr>
-        <p:spPr>
-          <a:xfrm>
-            <a:off x="6535989" y="3604523"/>
-            <a:ext cx="439544" cy="292388"/>
-          </a:xfrm>
-          <a:prstGeom prst="rect">
-            <a:avLst/>
-          </a:prstGeom>
-        </p:spPr>
-        <p:txBody>
-          <a:bodyPr wrap="none">
-            <a:spAutoFit/>
-          </a:bodyPr>
-          <a:lstStyle/>
-          <a:p>
-            <a:r>
-              <a:rPr lang="en-US" sz="1300" dirty="0" smtClean="0">
-                <a:solidFill>
-                  <a:schemeClr val="tx1">
-                    <a:lumMod val="65000"/>
-                    <a:lumOff val="35000"/>
-                  </a:schemeClr>
-                </a:solidFill>
-              </a:rPr>
-              <a:t>512</a:t>
-            </a:r>
-            <a:endParaRPr lang="en-US" sz="1300" dirty="0">
-              <a:solidFill>
-                <a:schemeClr val="tx1">
-                  <a:lumMod val="65000"/>
-                  <a:lumOff val="35000"/>
-                </a:schemeClr>
-              </a:solidFill>
-            </a:endParaRPr>
-          </a:p>
-        </p:txBody>
-      </p:sp>
-      <p:sp>
-        <p:nvSpPr>
-          <p:cNvPr id="67" name="Rectangle 66"/>
-          <p:cNvSpPr/>
-          <p:nvPr/>
-        </p:nvSpPr>
-        <p:spPr>
-          <a:xfrm>
-            <a:off x="5039698" y="2510386"/>
-            <a:ext cx="1496291" cy="391886"/>
-          </a:xfrm>
-          <a:prstGeom prst="rect">
-            <a:avLst/>
-          </a:prstGeom>
-          <a:solidFill>
-            <a:schemeClr val="accent1">
-              <a:lumMod val="60000"/>
-              <a:lumOff val="40000"/>
-            </a:schemeClr>
-          </a:solidFill>
-          <a:ln>
-            <a:solidFill>
-              <a:schemeClr val="accent1"/>
-            </a:solidFill>
-          </a:ln>
-        </p:spPr>
-        <p:style>
-          <a:lnRef idx="2">
-            <a:schemeClr val="accent1">
-              <a:shade val="50000"/>
-            </a:schemeClr>
-          </a:lnRef>
-          <a:fillRef idx="1">
-            <a:schemeClr val="accent1"/>
-          </a:fillRef>
-          <a:effectRef idx="0">
-            <a:schemeClr val="accent1"/>
-          </a:effectRef>
-          <a:fontRef idx="minor">
-            <a:schemeClr val="lt1"/>
-          </a:fontRef>
-        </p:style>
-        <p:txBody>
-          <a:bodyPr rtlCol="0" anchor="ctr"/>
-          <a:lstStyle/>
-          <a:p>
-            <a:pPr algn="ctr"/>
-            <a:r>
-              <a:rPr lang="en-US" sz="1600" dirty="0" smtClean="0">
-                <a:solidFill>
-                  <a:schemeClr val="tx1"/>
-                </a:solidFill>
-              </a:rPr>
-              <a:t>fc</a:t>
-            </a:r>
-            <a:endParaRPr lang="en-US" sz="1600" dirty="0">
-              <a:solidFill>
-                <a:schemeClr val="tx1"/>
-              </a:solidFill>
-            </a:endParaRPr>
-          </a:p>
-        </p:txBody>
-      </p:sp>
-      <p:sp>
-        <p:nvSpPr>
-          <p:cNvPr id="68" name="Rectangle 67"/>
-          <p:cNvSpPr/>
-          <p:nvPr/>
-        </p:nvSpPr>
-        <p:spPr>
-          <a:xfrm>
-            <a:off x="6535988" y="2608863"/>
-            <a:ext cx="354584" cy="292388"/>
-          </a:xfrm>
-          <a:prstGeom prst="rect">
-            <a:avLst/>
-          </a:prstGeom>
-        </p:spPr>
-        <p:txBody>
-          <a:bodyPr wrap="none">
-            <a:spAutoFit/>
-          </a:bodyPr>
-          <a:lstStyle/>
-          <a:p>
-            <a:r>
-              <a:rPr lang="en-US" sz="1300" dirty="0" smtClean="0">
-                <a:solidFill>
-                  <a:schemeClr val="tx1">
-                    <a:lumMod val="65000"/>
-                    <a:lumOff val="35000"/>
-                  </a:schemeClr>
-                </a:solidFill>
-              </a:rPr>
-              <a:t>43</a:t>
-            </a:r>
-            <a:endParaRPr lang="en-US" sz="1300" dirty="0">
-              <a:solidFill>
-                <a:schemeClr val="tx1">
-                  <a:lumMod val="65000"/>
-                  <a:lumOff val="35000"/>
-                </a:schemeClr>
-              </a:solidFill>
-            </a:endParaRPr>
-          </a:p>
-        </p:txBody>
-      </p:sp>
-      <p:sp>
-        <p:nvSpPr>
           <p:cNvPr id="73" name="Rectangle 72"/>
           <p:cNvSpPr/>
           <p:nvPr/>
         </p:nvSpPr>
         <p:spPr>
           <a:xfrm>
-            <a:off x="403750" y="1261936"/>
+            <a:off x="403750" y="1665365"/>
             <a:ext cx="1496291" cy="296883"/>
           </a:xfrm>
           <a:prstGeom prst="rect">
@@ -6195,7 +5622,7 @@
                   <a:schemeClr val="tx1"/>
                 </a:solidFill>
               </a:rPr>
-              <a:t>norm</a:t>
+              <a:t>augmentation</a:t>
             </a:r>
             <a:endParaRPr lang="en-US" sz="1400" dirty="0">
               <a:solidFill>
@@ -6213,7 +5640,7 @@
         </p:nvSpPr>
         <p:spPr>
           <a:xfrm>
-            <a:off x="403750" y="1558819"/>
+            <a:off x="403750" y="1962248"/>
             <a:ext cx="1496291" cy="391886"/>
           </a:xfrm>
           <a:prstGeom prst="rect">
@@ -6266,13 +5693,13 @@
       </p:sp>
       <p:sp>
         <p:nvSpPr>
-          <p:cNvPr id="75" name="Rectangle 74"/>
+          <p:cNvPr id="76" name="Rectangle 75"/>
           <p:cNvSpPr/>
           <p:nvPr/>
         </p:nvSpPr>
         <p:spPr>
           <a:xfrm>
-            <a:off x="401239" y="967092"/>
+            <a:off x="401846" y="1365887"/>
             <a:ext cx="1496291" cy="296883"/>
           </a:xfrm>
           <a:prstGeom prst="rect">
@@ -6318,7 +5745,7 @@
                   <a:schemeClr val="tx1"/>
                 </a:solidFill>
               </a:rPr>
-              <a:t>contrast enhance</a:t>
+              <a:t>normalization</a:t>
             </a:r>
             <a:endParaRPr lang="en-US" sz="1400" dirty="0">
               <a:solidFill>
@@ -6330,78 +5757,14 @@
       </p:sp>
       <p:sp>
         <p:nvSpPr>
-          <p:cNvPr id="76" name="Rectangle 75"/>
-          <p:cNvSpPr/>
-          <p:nvPr/>
-        </p:nvSpPr>
-        <p:spPr>
-          <a:xfrm>
-            <a:off x="401846" y="668170"/>
-            <a:ext cx="1496291" cy="296883"/>
-          </a:xfrm>
-          <a:prstGeom prst="rect">
-            <a:avLst/>
-          </a:prstGeom>
-          <a:solidFill>
-            <a:schemeClr val="bg1">
-              <a:lumMod val="95000"/>
-            </a:schemeClr>
-          </a:solidFill>
-          <a:ln>
-            <a:solidFill>
-              <a:schemeClr val="bg1">
-                <a:lumMod val="50000"/>
-              </a:schemeClr>
-            </a:solidFill>
-          </a:ln>
-        </p:spPr>
-        <p:style>
-          <a:lnRef idx="2">
-            <a:schemeClr val="accent1">
-              <a:shade val="50000"/>
-            </a:schemeClr>
-          </a:lnRef>
-          <a:fillRef idx="1">
-            <a:schemeClr val="accent1"/>
-          </a:fillRef>
-          <a:effectRef idx="0">
-            <a:schemeClr val="accent1"/>
-          </a:effectRef>
-          <a:fontRef idx="minor">
-            <a:schemeClr val="lt1"/>
-          </a:fontRef>
-        </p:style>
-        <p:txBody>
-          <a:bodyPr rtlCol="0" anchor="ctr"/>
-          <a:lstStyle/>
-          <a:p>
-            <a:pPr algn="ctr"/>
-            <a:r>
-              <a:rPr lang="en-US" sz="1400" smtClean="0">
-                <a:solidFill>
-                  <a:schemeClr val="tx1"/>
-                </a:solidFill>
-              </a:rPr>
-              <a:t>augmentation</a:t>
-            </a:r>
-            <a:endParaRPr lang="en-US" sz="1400" dirty="0">
-              <a:solidFill>
-                <a:schemeClr val="tx1"/>
-              </a:solidFill>
-            </a:endParaRPr>
-          </a:p>
-        </p:txBody>
-      </p:sp>
-      <p:sp>
-        <p:nvSpPr>
           <p:cNvPr id="78" name="TextBox 77"/>
           <p:cNvSpPr txBox="1"/>
           <p:nvPr/>
         </p:nvSpPr>
         <p:spPr>
           <a:xfrm>
-            <a:off x="5405391" y="1402585"/>
-            <a:ext cx="753732" cy="338554"/>
+            <a:off x="4868583" y="1402585"/>
+            <a:ext cx="1827359" cy="523220"/>
           </a:xfrm>
           <a:prstGeom prst="rect">
             <a:avLst/>
@@ -6416,10 +5779,17 @@
           <a:p>
             <a:pPr algn="ctr"/>
             <a:r>
-              <a:rPr lang="en-US" sz="1600" smtClean="0"/>
+              <a:rPr lang="en-US" sz="1600" dirty="0" smtClean="0"/>
               <a:t>output</a:t>
             </a:r>
-            <a:endParaRPr lang="en-US" sz="1600"/>
+          </a:p>
+          <a:p>
+            <a:pPr algn="ctr"/>
+            <a:r>
+              <a:rPr lang="en-US" sz="1200" dirty="0" smtClean="0"/>
+              <a:t>(steering angle prediction)</a:t>
+            </a:r>
+            <a:endParaRPr lang="en-US" sz="1200" dirty="0"/>
           </a:p>
         </p:txBody>
       </p:sp>
@@ -6434,8 +5804,8 @@
         </p:nvCxnSpPr>
         <p:spPr>
           <a:xfrm flipH="1" flipV="1">
-            <a:off x="5782257" y="1741139"/>
-            <a:ext cx="5586" cy="471343"/>
+            <a:off x="5782263" y="1925805"/>
+            <a:ext cx="5580" cy="684763"/>
           </a:xfrm>
           <a:prstGeom prst="straightConnector1">
             <a:avLst/>
@@ -6472,8 +5842,8 @@
         </p:nvSpPr>
         <p:spPr>
           <a:xfrm>
-            <a:off x="834080" y="2510386"/>
-            <a:ext cx="622286" cy="338554"/>
+            <a:off x="573820" y="2913815"/>
+            <a:ext cx="1142812" cy="523220"/>
           </a:xfrm>
           <a:prstGeom prst="rect">
             <a:avLst/>
@@ -6488,10 +5858,17 @@
           <a:p>
             <a:pPr algn="ctr"/>
             <a:r>
-              <a:rPr lang="en-US" sz="1600" smtClean="0"/>
+              <a:rPr lang="en-US" sz="1600" dirty="0" smtClean="0"/>
               <a:t>input</a:t>
             </a:r>
-            <a:endParaRPr lang="en-US" sz="1600" dirty="0"/>
+          </a:p>
+          <a:p>
+            <a:pPr algn="ctr"/>
+            <a:r>
+              <a:rPr lang="en-US" sz="1200" dirty="0" smtClean="0"/>
+              <a:t>(image of road)</a:t>
+            </a:r>
+            <a:endParaRPr lang="en-US" sz="1200" dirty="0"/>
           </a:p>
         </p:txBody>
       </p:sp>
@@ -6506,8 +5883,8 @@
         </p:nvCxnSpPr>
         <p:spPr>
           <a:xfrm flipV="1">
-            <a:off x="1145223" y="1950705"/>
-            <a:ext cx="6673" cy="559681"/>
+            <a:off x="1145226" y="2354134"/>
+            <a:ext cx="6670" cy="559681"/>
           </a:xfrm>
           <a:prstGeom prst="straightConnector1">
             <a:avLst/>
@@ -6544,7 +5921,7 @@
         </p:nvSpPr>
         <p:spPr>
           <a:xfrm>
-            <a:off x="5039697" y="2212482"/>
+            <a:off x="5039697" y="2610568"/>
             <a:ext cx="1496291" cy="296883"/>
           </a:xfrm>
           <a:prstGeom prst="rect">
@@ -6588,11 +5965,117 @@
                   <a:schemeClr val="tx1"/>
                 </a:solidFill>
               </a:rPr>
-              <a:t>softmax</a:t>
+              <a:t>elu</a:t>
             </a:r>
             <a:endParaRPr lang="en-US" sz="1500" dirty="0">
               <a:solidFill>
                 <a:schemeClr val="tx1"/>
+              </a:solidFill>
+            </a:endParaRPr>
+          </a:p>
+        </p:txBody>
+      </p:sp>
+      <p:sp>
+        <p:nvSpPr>
+          <p:cNvPr id="55" name="Rectangle 54"/>
+          <p:cNvSpPr/>
+          <p:nvPr/>
+        </p:nvSpPr>
+        <p:spPr>
+          <a:xfrm>
+            <a:off x="5039697" y="2219572"/>
+            <a:ext cx="1496291" cy="391886"/>
+          </a:xfrm>
+          <a:prstGeom prst="rect">
+            <a:avLst/>
+          </a:prstGeom>
+          <a:solidFill>
+            <a:schemeClr val="accent1">
+              <a:lumMod val="60000"/>
+              <a:lumOff val="40000"/>
+            </a:schemeClr>
+          </a:solidFill>
+          <a:ln>
+            <a:solidFill>
+              <a:schemeClr val="accent1"/>
+            </a:solidFill>
+          </a:ln>
+        </p:spPr>
+        <p:style>
+          <a:lnRef idx="2">
+            <a:schemeClr val="accent1">
+              <a:shade val="50000"/>
+            </a:schemeClr>
+          </a:lnRef>
+          <a:fillRef idx="1">
+            <a:schemeClr val="accent1"/>
+          </a:fillRef>
+          <a:effectRef idx="0">
+            <a:schemeClr val="accent1"/>
+          </a:effectRef>
+          <a:fontRef idx="minor">
+            <a:schemeClr val="lt1"/>
+          </a:fontRef>
+        </p:style>
+        <p:txBody>
+          <a:bodyPr rtlCol="0" anchor="ctr"/>
+          <a:lstStyle/>
+          <a:p>
+            <a:pPr algn="ctr"/>
+            <a:r>
+              <a:rPr lang="en-US" sz="1600" dirty="0" smtClean="0">
+                <a:solidFill>
+                  <a:schemeClr val="tx1"/>
+                </a:solidFill>
+              </a:rPr>
+              <a:t>fc</a:t>
+            </a:r>
+            <a:endParaRPr lang="en-US" sz="1600" dirty="0">
+              <a:solidFill>
+                <a:schemeClr val="tx1"/>
+              </a:solidFill>
+            </a:endParaRPr>
+          </a:p>
+        </p:txBody>
+      </p:sp>
+      <p:sp>
+        <p:nvSpPr>
+          <p:cNvPr id="64" name="Rectangle 63"/>
+          <p:cNvSpPr/>
+          <p:nvPr/>
+        </p:nvSpPr>
+        <p:spPr>
+          <a:xfrm>
+            <a:off x="6535987" y="2318049"/>
+            <a:ext cx="269626" cy="292388"/>
+          </a:xfrm>
+          <a:prstGeom prst="rect">
+            <a:avLst/>
+          </a:prstGeom>
+        </p:spPr>
+        <p:txBody>
+          <a:bodyPr wrap="none">
+            <a:spAutoFit/>
+          </a:bodyPr>
+          <a:lstStyle/>
+          <a:p>
+            <a:r>
+              <a:rPr lang="en-US" sz="1300" dirty="0" smtClean="0">
+                <a:solidFill>
+                  <a:schemeClr val="tx1">
+                    <a:lumMod val="65000"/>
+                    <a:lumOff val="35000"/>
+                  </a:schemeClr>
+                </a:solidFill>
+              </a:rPr>
+              <a:t>1</a:t>
+            </a:r>
+            <a:endParaRPr lang="en-US" sz="1300" dirty="0">
+              <a:solidFill>
+                <a:schemeClr val="tx1">
+                  <a:lumMod val="65000"/>
+                  <a:lumOff val="35000"/>
+                </a:schemeClr>
               </a:solidFill>
             </a:endParaRPr>
           </a:p>
